--- a/assets/documents/THE FOODIES.pptx
+++ b/assets/documents/THE FOODIES.pptx
@@ -8,7 +8,13 @@
     <p:sldId id="256" r:id="rId2"/>
     <p:sldId id="257" r:id="rId3"/>
     <p:sldId id="258" r:id="rId4"/>
-    <p:sldId id="259" r:id="rId5"/>
+    <p:sldId id="260" r:id="rId5"/>
+    <p:sldId id="261" r:id="rId6"/>
+    <p:sldId id="262" r:id="rId7"/>
+    <p:sldId id="263" r:id="rId8"/>
+    <p:sldId id="264" r:id="rId9"/>
+    <p:sldId id="265" r:id="rId10"/>
+    <p:sldId id="266" r:id="rId11"/>
   </p:sldIdLst>
   <p:sldSz cx="12192000" cy="6858000"/>
   <p:notesSz cx="6858000" cy="9144000"/>
@@ -107,6 +113,11 @@
       </a:defRPr>
     </a:lvl9pPr>
   </p:defaultTextStyle>
+  <p:extLst>
+    <p:ext uri="{EFAFB233-063F-42B5-8137-9DF3F51BA10A}">
+      <p15:sldGuideLst xmlns:p15="http://schemas.microsoft.com/office/powerpoint/2012/main"/>
+    </p:ext>
+  </p:extLst>
 </p:presentation>
 </file>
 
@@ -257,7 +268,7 @@
           <a:p>
             <a:fld id="{164C669C-7769-48C0-A8F3-37E49424B138}" type="datetimeFigureOut">
               <a:rPr lang="en-US" smtClean="0"/>
-              <a:t>5/21/2019</a:t>
+              <a:t>5/29/2019</a:t>
             </a:fld>
             <a:endParaRPr lang="en-US"/>
           </a:p>
@@ -455,7 +466,7 @@
           <a:p>
             <a:fld id="{164C669C-7769-48C0-A8F3-37E49424B138}" type="datetimeFigureOut">
               <a:rPr lang="en-US" smtClean="0"/>
-              <a:t>5/21/2019</a:t>
+              <a:t>5/29/2019</a:t>
             </a:fld>
             <a:endParaRPr lang="en-US"/>
           </a:p>
@@ -663,7 +674,7 @@
           <a:p>
             <a:fld id="{164C669C-7769-48C0-A8F3-37E49424B138}" type="datetimeFigureOut">
               <a:rPr lang="en-US" smtClean="0"/>
-              <a:t>5/21/2019</a:t>
+              <a:t>5/29/2019</a:t>
             </a:fld>
             <a:endParaRPr lang="en-US"/>
           </a:p>
@@ -861,7 +872,7 @@
           <a:p>
             <a:fld id="{164C669C-7769-48C0-A8F3-37E49424B138}" type="datetimeFigureOut">
               <a:rPr lang="en-US" smtClean="0"/>
-              <a:t>5/21/2019</a:t>
+              <a:t>5/29/2019</a:t>
             </a:fld>
             <a:endParaRPr lang="en-US"/>
           </a:p>
@@ -1136,7 +1147,7 @@
           <a:p>
             <a:fld id="{164C669C-7769-48C0-A8F3-37E49424B138}" type="datetimeFigureOut">
               <a:rPr lang="en-US" smtClean="0"/>
-              <a:t>5/21/2019</a:t>
+              <a:t>5/29/2019</a:t>
             </a:fld>
             <a:endParaRPr lang="en-US"/>
           </a:p>
@@ -1401,7 +1412,7 @@
           <a:p>
             <a:fld id="{164C669C-7769-48C0-A8F3-37E49424B138}" type="datetimeFigureOut">
               <a:rPr lang="en-US" smtClean="0"/>
-              <a:t>5/21/2019</a:t>
+              <a:t>5/29/2019</a:t>
             </a:fld>
             <a:endParaRPr lang="en-US"/>
           </a:p>
@@ -1813,7 +1824,7 @@
           <a:p>
             <a:fld id="{164C669C-7769-48C0-A8F3-37E49424B138}" type="datetimeFigureOut">
               <a:rPr lang="en-US" smtClean="0"/>
-              <a:t>5/21/2019</a:t>
+              <a:t>5/29/2019</a:t>
             </a:fld>
             <a:endParaRPr lang="en-US"/>
           </a:p>
@@ -1954,7 +1965,7 @@
           <a:p>
             <a:fld id="{164C669C-7769-48C0-A8F3-37E49424B138}" type="datetimeFigureOut">
               <a:rPr lang="en-US" smtClean="0"/>
-              <a:t>5/21/2019</a:t>
+              <a:t>5/29/2019</a:t>
             </a:fld>
             <a:endParaRPr lang="en-US"/>
           </a:p>
@@ -2067,7 +2078,7 @@
           <a:p>
             <a:fld id="{164C669C-7769-48C0-A8F3-37E49424B138}" type="datetimeFigureOut">
               <a:rPr lang="en-US" smtClean="0"/>
-              <a:t>5/21/2019</a:t>
+              <a:t>5/29/2019</a:t>
             </a:fld>
             <a:endParaRPr lang="en-US"/>
           </a:p>
@@ -2378,7 +2389,7 @@
           <a:p>
             <a:fld id="{164C669C-7769-48C0-A8F3-37E49424B138}" type="datetimeFigureOut">
               <a:rPr lang="en-US" smtClean="0"/>
-              <a:t>5/21/2019</a:t>
+              <a:t>5/29/2019</a:t>
             </a:fld>
             <a:endParaRPr lang="en-US"/>
           </a:p>
@@ -2666,7 +2677,7 @@
           <a:p>
             <a:fld id="{164C669C-7769-48C0-A8F3-37E49424B138}" type="datetimeFigureOut">
               <a:rPr lang="en-US" smtClean="0"/>
-              <a:t>5/21/2019</a:t>
+              <a:t>5/29/2019</a:t>
             </a:fld>
             <a:endParaRPr lang="en-US"/>
           </a:p>
@@ -2907,7 +2918,7 @@
           <a:p>
             <a:fld id="{164C669C-7769-48C0-A8F3-37E49424B138}" type="datetimeFigureOut">
               <a:rPr lang="en-US" smtClean="0"/>
-              <a:t>5/21/2019</a:t>
+              <a:t>5/29/2019</a:t>
             </a:fld>
             <a:endParaRPr lang="en-US"/>
           </a:p>
@@ -3693,7 +3704,7 @@
 </p:sld>
 </file>
 
-<file path=ppt/slides/slide2.xml><?xml version="1.0" encoding="utf-8"?>
+<file path=ppt/slides/slide10.xml><?xml version="1.0" encoding="utf-8"?>
 <p:sld xmlns:a="http://schemas.openxmlformats.org/drawingml/2006/main" xmlns:r="http://schemas.openxmlformats.org/officeDocument/2006/relationships" xmlns:p="http://schemas.openxmlformats.org/presentationml/2006/main">
   <p:cSld>
     <p:bg>
@@ -3723,7 +3734,7 @@
           <p:cNvPr id="2" name="Title 1">
             <a:extLst>
               <a:ext uri="{FF2B5EF4-FFF2-40B4-BE49-F238E27FC236}">
-                <a16:creationId xmlns:a16="http://schemas.microsoft.com/office/drawing/2014/main" id="{78BF5FA4-6801-49A4-9590-E3068B4D2724}"/>
+                <a16:creationId xmlns:a16="http://schemas.microsoft.com/office/drawing/2014/main" id="{E188E3DB-C8A3-4249-B637-7FFD92221962}"/>
               </a:ext>
             </a:extLst>
           </p:cNvPr>
@@ -3747,10 +3758,9 @@
           <a:lstStyle/>
           <a:p>
             <a:r>
-              <a:rPr lang="en-US"/>
-              <a:t>SCOPE OF WORK</a:t>
-            </a:r>
-            <a:endParaRPr lang="en-US" dirty="0"/>
+              <a:rPr lang="en-US" dirty="0"/>
+              <a:t>FUTURE DEVELOPMENT</a:t>
+            </a:r>
           </a:p>
         </p:txBody>
       </p:sp>
@@ -3812,7 +3822,7 @@
           <p:cNvPr id="3" name="Content Placeholder 2">
             <a:extLst>
               <a:ext uri="{FF2B5EF4-FFF2-40B4-BE49-F238E27FC236}">
-                <a16:creationId xmlns:a16="http://schemas.microsoft.com/office/drawing/2014/main" id="{C1ABCB5F-11FF-4346-9D77-4B9C46D6EB60}"/>
+                <a16:creationId xmlns:a16="http://schemas.microsoft.com/office/drawing/2014/main" id="{CA7F5670-33A6-4671-9ACA-F1099D86437C}"/>
               </a:ext>
             </a:extLst>
           </p:cNvPr>
@@ -3837,34 +3847,331 @@
           <a:p>
             <a:r>
               <a:rPr lang="en-US" sz="1800" dirty="0"/>
+              <a:t>We would like to display an image of the most popular dish from each restaurant in the </a:t>
+            </a:r>
+            <a:r>
+              <a:rPr lang="en-US" sz="1800" dirty="0" err="1"/>
+              <a:t>seach</a:t>
+            </a:r>
+            <a:r>
+              <a:rPr lang="en-US" sz="1800" dirty="0"/>
+              <a:t> result.</a:t>
+            </a:r>
+          </a:p>
+          <a:p>
+            <a:r>
+              <a:rPr lang="en-US" sz="1800" dirty="0"/>
+              <a:t>Use the users current location rather than entering a city and state.</a:t>
+            </a:r>
+          </a:p>
+          <a:p>
+            <a:r>
+              <a:rPr lang="en-US" sz="1800" dirty="0"/>
+              <a:t>Use Firebase to store the user searches. Then give the user suggestions based on their search history database for recommendations. </a:t>
+            </a:r>
+          </a:p>
+          <a:p>
+            <a:r>
+              <a:rPr lang="en-US" sz="1800" dirty="0"/>
+              <a:t>Provide the user with recipes for desired food based on their cuisine type choice.  </a:t>
+            </a:r>
+          </a:p>
+          <a:p>
+            <a:endParaRPr lang="en-US" sz="1800" dirty="0"/>
+          </a:p>
+        </p:txBody>
+      </p:sp>
+      <p:pic>
+        <p:nvPicPr>
+          <p:cNvPr id="5" name="Picture 4" descr="A dining room table&#10;&#10;Description automatically generated">
+            <a:extLst>
+              <a:ext uri="{FF2B5EF4-FFF2-40B4-BE49-F238E27FC236}">
+                <a16:creationId xmlns:a16="http://schemas.microsoft.com/office/drawing/2014/main" id="{A749D937-97CE-49EA-9EB5-D9B11FF6DE84}"/>
+              </a:ext>
+            </a:extLst>
+          </p:cNvPr>
+          <p:cNvPicPr>
+            <a:picLocks noChangeAspect="1"/>
+          </p:cNvPicPr>
+          <p:nvPr/>
+        </p:nvPicPr>
+        <p:blipFill rotWithShape="1">
+          <a:blip r:embed="rId2">
+            <a:extLst>
+              <a:ext uri="{28A0092B-C50C-407E-A947-70E740481C1C}">
+                <a14:useLocalDpi xmlns:a14="http://schemas.microsoft.com/office/drawing/2010/main" val="0"/>
+              </a:ext>
+            </a:extLst>
+          </a:blip>
+          <a:srcRect l="12461" r="26323"/>
+          <a:stretch/>
+        </p:blipFill>
+        <p:spPr>
+          <a:xfrm>
+            <a:off x="5878849" y="10"/>
+            <a:ext cx="6313150" cy="6857987"/>
+          </a:xfrm>
+          <a:custGeom>
+            <a:avLst/>
+            <a:gdLst>
+              <a:gd name="connsiteX0" fmla="*/ 65565 w 6313150"/>
+              <a:gd name="connsiteY0" fmla="*/ 0 h 6857997"/>
+              <a:gd name="connsiteX1" fmla="*/ 6313150 w 6313150"/>
+              <a:gd name="connsiteY1" fmla="*/ 0 h 6857997"/>
+              <a:gd name="connsiteX2" fmla="*/ 6313150 w 6313150"/>
+              <a:gd name="connsiteY2" fmla="*/ 6857997 h 6857997"/>
+              <a:gd name="connsiteX3" fmla="*/ 3293946 w 6313150"/>
+              <a:gd name="connsiteY3" fmla="*/ 6857997 h 6857997"/>
+              <a:gd name="connsiteX4" fmla="*/ 3235857 w 6313150"/>
+              <a:gd name="connsiteY4" fmla="*/ 6823061 h 6857997"/>
+              <a:gd name="connsiteX5" fmla="*/ 0 w 6313150"/>
+              <a:gd name="connsiteY5" fmla="*/ 951803 h 6857997"/>
+              <a:gd name="connsiteX6" fmla="*/ 31536 w 6313150"/>
+              <a:gd name="connsiteY6" fmla="*/ 285771 h 6857997"/>
+            </a:gdLst>
+            <a:ahLst/>
+            <a:cxnLst>
+              <a:cxn ang="0">
+                <a:pos x="connsiteX0" y="connsiteY0"/>
+              </a:cxn>
+              <a:cxn ang="0">
+                <a:pos x="connsiteX1" y="connsiteY1"/>
+              </a:cxn>
+              <a:cxn ang="0">
+                <a:pos x="connsiteX2" y="connsiteY2"/>
+              </a:cxn>
+              <a:cxn ang="0">
+                <a:pos x="connsiteX3" y="connsiteY3"/>
+              </a:cxn>
+              <a:cxn ang="0">
+                <a:pos x="connsiteX4" y="connsiteY4"/>
+              </a:cxn>
+              <a:cxn ang="0">
+                <a:pos x="connsiteX5" y="connsiteY5"/>
+              </a:cxn>
+              <a:cxn ang="0">
+                <a:pos x="connsiteX6" y="connsiteY6"/>
+              </a:cxn>
+            </a:cxnLst>
+            <a:rect l="l" t="t" r="r" b="b"/>
+            <a:pathLst>
+              <a:path w="6313150" h="6857997">
+                <a:moveTo>
+                  <a:pt x="65565" y="0"/>
+                </a:moveTo>
+                <a:lnTo>
+                  <a:pt x="6313150" y="0"/>
+                </a:lnTo>
+                <a:lnTo>
+                  <a:pt x="6313150" y="6857997"/>
+                </a:lnTo>
+                <a:lnTo>
+                  <a:pt x="3293946" y="6857997"/>
+                </a:lnTo>
+                <a:lnTo>
+                  <a:pt x="3235857" y="6823061"/>
+                </a:lnTo>
+                <a:cubicBezTo>
+                  <a:pt x="1291240" y="5592803"/>
+                  <a:pt x="0" y="3423096"/>
+                  <a:pt x="0" y="951803"/>
+                </a:cubicBezTo>
+                <a:cubicBezTo>
+                  <a:pt x="0" y="727140"/>
+                  <a:pt x="10673" y="504970"/>
+                  <a:pt x="31536" y="285771"/>
+                </a:cubicBezTo>
+                <a:close/>
+              </a:path>
+            </a:pathLst>
+          </a:custGeom>
+        </p:spPr>
+      </p:pic>
+    </p:spTree>
+    <p:extLst>
+      <p:ext uri="{BB962C8B-B14F-4D97-AF65-F5344CB8AC3E}">
+        <p14:creationId xmlns:p14="http://schemas.microsoft.com/office/powerpoint/2010/main" val="3697104264"/>
+      </p:ext>
+    </p:extLst>
+  </p:cSld>
+  <p:clrMapOvr>
+    <a:masterClrMapping/>
+  </p:clrMapOvr>
+</p:sld>
+</file>
+
+<file path=ppt/slides/slide2.xml><?xml version="1.0" encoding="utf-8"?>
+<p:sld xmlns:a="http://schemas.openxmlformats.org/drawingml/2006/main" xmlns:r="http://schemas.openxmlformats.org/officeDocument/2006/relationships" xmlns:p="http://schemas.openxmlformats.org/presentationml/2006/main">
+  <p:cSld>
+    <p:bg>
+      <p:bgPr>
+        <a:solidFill>
+          <a:schemeClr val="bg1"/>
+        </a:solidFill>
+        <a:effectLst/>
+      </p:bgPr>
+    </p:bg>
+    <p:spTree>
+      <p:nvGrpSpPr>
+        <p:cNvPr id="1" name=""/>
+        <p:cNvGrpSpPr/>
+        <p:nvPr/>
+      </p:nvGrpSpPr>
+      <p:grpSpPr>
+        <a:xfrm>
+          <a:off x="0" y="0"/>
+          <a:ext cx="0" cy="0"/>
+          <a:chOff x="0" y="0"/>
+          <a:chExt cx="0" cy="0"/>
+        </a:xfrm>
+      </p:grpSpPr>
+      <p:sp>
+        <p:nvSpPr>
+          <p:cNvPr id="2" name="Title 1">
+            <a:extLst>
+              <a:ext uri="{FF2B5EF4-FFF2-40B4-BE49-F238E27FC236}">
+                <a16:creationId xmlns:a16="http://schemas.microsoft.com/office/drawing/2014/main" id="{78BF5FA4-6801-49A4-9590-E3068B4D2724}"/>
+              </a:ext>
+            </a:extLst>
+          </p:cNvPr>
+          <p:cNvSpPr>
+            <a:spLocks noGrp="1"/>
+          </p:cNvSpPr>
+          <p:nvPr>
+            <p:ph type="title"/>
+          </p:nvPr>
+        </p:nvSpPr>
+        <p:spPr>
+          <a:xfrm>
+            <a:off x="655320" y="365125"/>
+            <a:ext cx="5120114" cy="1692794"/>
+          </a:xfrm>
+        </p:spPr>
+        <p:txBody>
+          <a:bodyPr>
+            <a:normAutofit/>
+          </a:bodyPr>
+          <a:lstStyle/>
+          <a:p>
+            <a:r>
+              <a:rPr lang="en-US"/>
+              <a:t>SCOPE OF WORK</a:t>
+            </a:r>
+            <a:endParaRPr lang="en-US" dirty="0"/>
+          </a:p>
+        </p:txBody>
+      </p:sp>
+      <p:cxnSp>
+        <p:nvCxnSpPr>
+          <p:cNvPr id="10" name="Straight Arrow Connector 9">
+            <a:extLst>
+              <a:ext uri="{FF2B5EF4-FFF2-40B4-BE49-F238E27FC236}">
+                <a16:creationId xmlns:a16="http://schemas.microsoft.com/office/drawing/2014/main" id="{E4A809D5-3600-46D4-A466-67F2349A54FB}"/>
+              </a:ext>
+              <a:ext uri="{C183D7F6-B498-43B3-948B-1728B52AA6E4}">
+                <adec:decorative xmlns:adec="http://schemas.microsoft.com/office/drawing/2017/decorative" val="1"/>
+              </a:ext>
+            </a:extLst>
+          </p:cNvPr>
+          <p:cNvCxnSpPr>
+            <a:cxnSpLocks noGrp="1" noRot="1" noChangeAspect="1" noMove="1" noResize="1" noEditPoints="1" noAdjustHandles="1" noChangeArrowheads="1" noChangeShapeType="1"/>
+          </p:cNvCxnSpPr>
+          <p:nvPr>
+            <p:extLst>
+              <p:ext uri="{386F3935-93C4-4BCD-93E2-E3B085C9AB24}">
+                <p16:designElem xmlns:p16="http://schemas.microsoft.com/office/powerpoint/2015/main" val="1"/>
+              </p:ext>
+            </p:extLst>
+          </p:nvPr>
+        </p:nvCxnSpPr>
+        <p:spPr>
+          <a:xfrm>
+            <a:off x="655320" y="2316480"/>
+            <a:ext cx="4572000" cy="0"/>
+          </a:xfrm>
+          <a:prstGeom prst="straightConnector1">
+            <a:avLst/>
+          </a:prstGeom>
+          <a:ln w="19050" cap="sq">
+            <a:solidFill>
+              <a:schemeClr val="tx1"/>
+            </a:solidFill>
+            <a:tailEnd type="none"/>
+          </a:ln>
+        </p:spPr>
+        <p:style>
+          <a:lnRef idx="1">
+            <a:schemeClr val="accent1"/>
+          </a:lnRef>
+          <a:fillRef idx="0">
+            <a:schemeClr val="accent1"/>
+          </a:fillRef>
+          <a:effectRef idx="0">
+            <a:schemeClr val="accent1"/>
+          </a:effectRef>
+          <a:fontRef idx="minor">
+            <a:schemeClr val="tx1"/>
+          </a:fontRef>
+        </p:style>
+      </p:cxnSp>
+      <p:sp>
+        <p:nvSpPr>
+          <p:cNvPr id="3" name="Content Placeholder 2">
+            <a:extLst>
+              <a:ext uri="{FF2B5EF4-FFF2-40B4-BE49-F238E27FC236}">
+                <a16:creationId xmlns:a16="http://schemas.microsoft.com/office/drawing/2014/main" id="{C1ABCB5F-11FF-4346-9D77-4B9C46D6EB60}"/>
+              </a:ext>
+            </a:extLst>
+          </p:cNvPr>
+          <p:cNvSpPr>
+            <a:spLocks noGrp="1"/>
+          </p:cNvSpPr>
+          <p:nvPr>
+            <p:ph idx="1"/>
+          </p:nvPr>
+        </p:nvSpPr>
+        <p:spPr>
+          <a:xfrm>
+            <a:off x="655321" y="2575034"/>
+            <a:ext cx="5120113" cy="3462228"/>
+          </a:xfrm>
+        </p:spPr>
+        <p:txBody>
+          <a:bodyPr>
+            <a:normAutofit/>
+          </a:bodyPr>
+          <a:lstStyle/>
+          <a:p>
+            <a:r>
+              <a:rPr lang="en-US" sz="1800" dirty="0"/>
               <a:t>The Foodies App is designed to help users narrow down restaurants and food options based on location and budget. </a:t>
             </a:r>
           </a:p>
           <a:p>
             <a:r>
               <a:rPr lang="en-US" sz="1800" dirty="0"/>
-              <a:t>The user is asked to enter the following variables:</a:t>
+              <a:t>The user is asked to enter or choose from the following variables:</a:t>
             </a:r>
           </a:p>
           <a:p>
             <a:pPr lvl="1"/>
             <a:r>
               <a:rPr lang="en-US" sz="1800" dirty="0"/>
-              <a:t>In which city they want to search for restaurants/food in?</a:t>
+              <a:t>City and State (only in USA)</a:t>
             </a:r>
           </a:p>
           <a:p>
             <a:pPr lvl="1"/>
             <a:r>
               <a:rPr lang="en-US" sz="1800" dirty="0"/>
-              <a:t>How far they are willing to travel?</a:t>
+              <a:t>How far they are willing to travel</a:t>
             </a:r>
           </a:p>
           <a:p>
             <a:pPr lvl="1"/>
             <a:r>
               <a:rPr lang="en-US" sz="1800" dirty="0"/>
-              <a:t>Type of food they are hungry for?</a:t>
+              <a:t>Type of cuisine they are hungry for?</a:t>
             </a:r>
           </a:p>
           <a:p>
@@ -4014,10 +4321,10 @@
       </p:grpSpPr>
       <p:pic>
         <p:nvPicPr>
-          <p:cNvPr id="4" name="Picture 3">
-            <a:extLst>
-              <a:ext uri="{FF2B5EF4-FFF2-40B4-BE49-F238E27FC236}">
-                <a16:creationId xmlns:a16="http://schemas.microsoft.com/office/drawing/2014/main" id="{E5104147-C020-4E32-BDE7-05AB11FBD785}"/>
+          <p:cNvPr id="2" name="Picture 1">
+            <a:extLst>
+              <a:ext uri="{FF2B5EF4-FFF2-40B4-BE49-F238E27FC236}">
+                <a16:creationId xmlns:a16="http://schemas.microsoft.com/office/drawing/2014/main" id="{F56F5F42-0944-4181-B8B3-A585B633E405}"/>
               </a:ext>
             </a:extLst>
           </p:cNvPr>
@@ -4197,40 +4504,46 @@
           <a:lstStyle/>
           <a:p>
             <a:r>
-              <a:rPr lang="en-US" sz="1800"/>
-              <a:t>The results page will return back (10) restaurants which meet the users requirements</a:t>
-            </a:r>
-          </a:p>
-          <a:p>
-            <a:r>
-              <a:rPr lang="en-US" sz="1800"/>
-              <a:t>The results card includes:</a:t>
+              <a:rPr lang="en-US" sz="1800" dirty="0"/>
+              <a:t>The results page displays ten restaurants which meet the users criteria. </a:t>
+            </a:r>
+          </a:p>
+          <a:p>
+            <a:r>
+              <a:rPr lang="en-US" sz="1800" dirty="0"/>
+              <a:t>The user’s choices from the search form are displayed before the search results. </a:t>
+            </a:r>
+          </a:p>
+          <a:p>
+            <a:r>
+              <a:rPr lang="en-US" sz="1800" dirty="0"/>
+              <a:t>The results cards include:</a:t>
             </a:r>
           </a:p>
           <a:p>
             <a:pPr lvl="1"/>
             <a:r>
-              <a:rPr lang="en-US" sz="1800"/>
+              <a:rPr lang="en-US" sz="1800" dirty="0"/>
               <a:t>Name of restaurant</a:t>
             </a:r>
           </a:p>
           <a:p>
             <a:pPr lvl="1"/>
             <a:r>
-              <a:rPr lang="en-US" sz="1800"/>
+              <a:rPr lang="en-US" sz="1800" dirty="0"/>
               <a:t>Restaurant Address</a:t>
             </a:r>
           </a:p>
           <a:p>
             <a:pPr lvl="1"/>
             <a:r>
-              <a:rPr lang="en-US" sz="1800"/>
-              <a:t>A link back to the restaurants home page</a:t>
-            </a:r>
-          </a:p>
-          <a:p>
-            <a:r>
-              <a:rPr lang="en-US" sz="1800"/>
+              <a:rPr lang="en-US" sz="1800" dirty="0"/>
+              <a:t>A link back to the restaurant’s Zomato page</a:t>
+            </a:r>
+          </a:p>
+          <a:p>
+            <a:r>
+              <a:rPr lang="en-US" sz="1800" dirty="0"/>
               <a:t>Along with the restaurant results, (10) random gifs of the type of cuisine chosen will appear along the side</a:t>
             </a:r>
           </a:p>
@@ -4345,7 +4658,1095 @@
     </p:spTree>
     <p:extLst>
       <p:ext uri="{BB962C8B-B14F-4D97-AF65-F5344CB8AC3E}">
-        <p14:creationId xmlns:p14="http://schemas.microsoft.com/office/powerpoint/2010/main" val="499445921"/>
+        <p14:creationId xmlns:p14="http://schemas.microsoft.com/office/powerpoint/2010/main" val="4109784415"/>
+      </p:ext>
+    </p:extLst>
+  </p:cSld>
+  <p:clrMapOvr>
+    <a:masterClrMapping/>
+  </p:clrMapOvr>
+</p:sld>
+</file>
+
+<file path=ppt/slides/slide5.xml><?xml version="1.0" encoding="utf-8"?>
+<p:sld xmlns:a="http://schemas.openxmlformats.org/drawingml/2006/main" xmlns:r="http://schemas.openxmlformats.org/officeDocument/2006/relationships" xmlns:p="http://schemas.openxmlformats.org/presentationml/2006/main">
+  <p:cSld>
+    <p:spTree>
+      <p:nvGrpSpPr>
+        <p:cNvPr id="1" name=""/>
+        <p:cNvGrpSpPr/>
+        <p:nvPr/>
+      </p:nvGrpSpPr>
+      <p:grpSpPr>
+        <a:xfrm>
+          <a:off x="0" y="0"/>
+          <a:ext cx="0" cy="0"/>
+          <a:chOff x="0" y="0"/>
+          <a:chExt cx="0" cy="0"/>
+        </a:xfrm>
+      </p:grpSpPr>
+      <p:pic>
+        <p:nvPicPr>
+          <p:cNvPr id="2" name="Picture 1">
+            <a:extLst>
+              <a:ext uri="{FF2B5EF4-FFF2-40B4-BE49-F238E27FC236}">
+                <a16:creationId xmlns:a16="http://schemas.microsoft.com/office/drawing/2014/main" id="{78F42172-A642-43B0-8CDF-0D9B3BF41E3A}"/>
+              </a:ext>
+            </a:extLst>
+          </p:cNvPr>
+          <p:cNvPicPr>
+            <a:picLocks noChangeAspect="1"/>
+          </p:cNvPicPr>
+          <p:nvPr/>
+        </p:nvPicPr>
+        <p:blipFill>
+          <a:blip r:embed="rId2"/>
+          <a:stretch>
+            <a:fillRect/>
+          </a:stretch>
+        </p:blipFill>
+        <p:spPr>
+          <a:xfrm>
+            <a:off x="0" y="0"/>
+            <a:ext cx="12192000" cy="6858000"/>
+          </a:xfrm>
+          <a:prstGeom prst="rect">
+            <a:avLst/>
+          </a:prstGeom>
+        </p:spPr>
+      </p:pic>
+    </p:spTree>
+    <p:extLst>
+      <p:ext uri="{BB962C8B-B14F-4D97-AF65-F5344CB8AC3E}">
+        <p14:creationId xmlns:p14="http://schemas.microsoft.com/office/powerpoint/2010/main" val="3399158803"/>
+      </p:ext>
+    </p:extLst>
+  </p:cSld>
+  <p:clrMapOvr>
+    <a:masterClrMapping/>
+  </p:clrMapOvr>
+</p:sld>
+</file>
+
+<file path=ppt/slides/slide6.xml><?xml version="1.0" encoding="utf-8"?>
+<p:sld xmlns:a="http://schemas.openxmlformats.org/drawingml/2006/main" xmlns:r="http://schemas.openxmlformats.org/officeDocument/2006/relationships" xmlns:p="http://schemas.openxmlformats.org/presentationml/2006/main">
+  <p:cSld>
+    <p:spTree>
+      <p:nvGrpSpPr>
+        <p:cNvPr id="1" name=""/>
+        <p:cNvGrpSpPr/>
+        <p:nvPr/>
+      </p:nvGrpSpPr>
+      <p:grpSpPr>
+        <a:xfrm>
+          <a:off x="0" y="0"/>
+          <a:ext cx="0" cy="0"/>
+          <a:chOff x="0" y="0"/>
+          <a:chExt cx="0" cy="0"/>
+        </a:xfrm>
+      </p:grpSpPr>
+      <p:sp>
+        <p:nvSpPr>
+          <p:cNvPr id="2" name="Title 1">
+            <a:extLst>
+              <a:ext uri="{FF2B5EF4-FFF2-40B4-BE49-F238E27FC236}">
+                <a16:creationId xmlns:a16="http://schemas.microsoft.com/office/drawing/2014/main" id="{DED94CB4-A3F0-4899-B57C-278087B37ED8}"/>
+              </a:ext>
+            </a:extLst>
+          </p:cNvPr>
+          <p:cNvSpPr>
+            <a:spLocks noGrp="1"/>
+          </p:cNvSpPr>
+          <p:nvPr>
+            <p:ph type="title"/>
+          </p:nvPr>
+        </p:nvSpPr>
+        <p:spPr/>
+        <p:txBody>
+          <a:bodyPr>
+            <a:normAutofit/>
+          </a:bodyPr>
+          <a:lstStyle/>
+          <a:p>
+            <a:r>
+              <a:rPr lang="en-US" sz="3600" b="1" u="sng" dirty="0"/>
+              <a:t>OUR MODIVATION?</a:t>
+            </a:r>
+          </a:p>
+        </p:txBody>
+      </p:sp>
+      <p:pic>
+        <p:nvPicPr>
+          <p:cNvPr id="6" name="Picture Placeholder 5">
+            <a:extLst>
+              <a:ext uri="{FF2B5EF4-FFF2-40B4-BE49-F238E27FC236}">
+                <a16:creationId xmlns:a16="http://schemas.microsoft.com/office/drawing/2014/main" id="{0C4780A4-AA84-41E2-AF31-4F7F9E28A18E}"/>
+              </a:ext>
+            </a:extLst>
+          </p:cNvPr>
+          <p:cNvPicPr>
+            <a:picLocks noGrp="1" noChangeAspect="1"/>
+          </p:cNvPicPr>
+          <p:nvPr>
+            <p:ph type="pic" idx="1"/>
+          </p:nvPr>
+        </p:nvPicPr>
+        <p:blipFill>
+          <a:blip r:embed="rId2">
+            <a:extLst>
+              <a:ext uri="{28A0092B-C50C-407E-A947-70E740481C1C}">
+                <a14:useLocalDpi xmlns:a14="http://schemas.microsoft.com/office/drawing/2010/main" val="0"/>
+              </a:ext>
+            </a:extLst>
+          </a:blip>
+          <a:srcRect l="14381" r="14381"/>
+          <a:stretch>
+            <a:fillRect/>
+          </a:stretch>
+        </p:blipFill>
+        <p:spPr/>
+      </p:pic>
+      <p:sp>
+        <p:nvSpPr>
+          <p:cNvPr id="4" name="Text Placeholder 3">
+            <a:extLst>
+              <a:ext uri="{FF2B5EF4-FFF2-40B4-BE49-F238E27FC236}">
+                <a16:creationId xmlns:a16="http://schemas.microsoft.com/office/drawing/2014/main" id="{DCA9B2F8-FE57-4538-99D4-191200F8E65A}"/>
+              </a:ext>
+            </a:extLst>
+          </p:cNvPr>
+          <p:cNvSpPr>
+            <a:spLocks noGrp="1"/>
+          </p:cNvSpPr>
+          <p:nvPr>
+            <p:ph type="body" sz="half" idx="2"/>
+          </p:nvPr>
+        </p:nvSpPr>
+        <p:spPr/>
+        <p:txBody>
+          <a:bodyPr>
+            <a:normAutofit/>
+          </a:bodyPr>
+          <a:lstStyle/>
+          <a:p>
+            <a:pPr algn="ctr"/>
+            <a:r>
+              <a:rPr lang="en-US" sz="6600" dirty="0"/>
+              <a:t>WE. </a:t>
+            </a:r>
+          </a:p>
+          <a:p>
+            <a:pPr algn="ctr"/>
+            <a:r>
+              <a:rPr lang="en-US" sz="6600" dirty="0"/>
+              <a:t>WERE.</a:t>
+            </a:r>
+          </a:p>
+          <a:p>
+            <a:pPr algn="ctr"/>
+            <a:r>
+              <a:rPr lang="en-US" sz="6600" dirty="0"/>
+              <a:t>HUNGRY.</a:t>
+            </a:r>
+          </a:p>
+        </p:txBody>
+      </p:sp>
+    </p:spTree>
+    <p:extLst>
+      <p:ext uri="{BB962C8B-B14F-4D97-AF65-F5344CB8AC3E}">
+        <p14:creationId xmlns:p14="http://schemas.microsoft.com/office/powerpoint/2010/main" val="3454950944"/>
+      </p:ext>
+    </p:extLst>
+  </p:cSld>
+  <p:clrMapOvr>
+    <a:masterClrMapping/>
+  </p:clrMapOvr>
+</p:sld>
+</file>
+
+<file path=ppt/slides/slide7.xml><?xml version="1.0" encoding="utf-8"?>
+<p:sld xmlns:a="http://schemas.openxmlformats.org/drawingml/2006/main" xmlns:r="http://schemas.openxmlformats.org/officeDocument/2006/relationships" xmlns:p="http://schemas.openxmlformats.org/presentationml/2006/main">
+  <p:cSld>
+    <p:bg>
+      <p:bgPr>
+        <a:solidFill>
+          <a:schemeClr val="bg1"/>
+        </a:solidFill>
+        <a:effectLst/>
+      </p:bgPr>
+    </p:bg>
+    <p:spTree>
+      <p:nvGrpSpPr>
+        <p:cNvPr id="1" name=""/>
+        <p:cNvGrpSpPr/>
+        <p:nvPr/>
+      </p:nvGrpSpPr>
+      <p:grpSpPr>
+        <a:xfrm>
+          <a:off x="0" y="0"/>
+          <a:ext cx="0" cy="0"/>
+          <a:chOff x="0" y="0"/>
+          <a:chExt cx="0" cy="0"/>
+        </a:xfrm>
+      </p:grpSpPr>
+      <p:sp>
+        <p:nvSpPr>
+          <p:cNvPr id="2" name="Title 1">
+            <a:extLst>
+              <a:ext uri="{FF2B5EF4-FFF2-40B4-BE49-F238E27FC236}">
+                <a16:creationId xmlns:a16="http://schemas.microsoft.com/office/drawing/2014/main" id="{E188E3DB-C8A3-4249-B637-7FFD92221962}"/>
+              </a:ext>
+            </a:extLst>
+          </p:cNvPr>
+          <p:cNvSpPr>
+            <a:spLocks noGrp="1"/>
+          </p:cNvSpPr>
+          <p:nvPr>
+            <p:ph type="title"/>
+          </p:nvPr>
+        </p:nvSpPr>
+        <p:spPr>
+          <a:xfrm>
+            <a:off x="655320" y="365125"/>
+            <a:ext cx="5120114" cy="1692794"/>
+          </a:xfrm>
+        </p:spPr>
+        <p:txBody>
+          <a:bodyPr>
+            <a:normAutofit/>
+          </a:bodyPr>
+          <a:lstStyle/>
+          <a:p>
+            <a:r>
+              <a:rPr lang="en-US" dirty="0"/>
+              <a:t>DESIGN PROCESS</a:t>
+            </a:r>
+          </a:p>
+        </p:txBody>
+      </p:sp>
+      <p:cxnSp>
+        <p:nvCxnSpPr>
+          <p:cNvPr id="10" name="Straight Arrow Connector 9">
+            <a:extLst>
+              <a:ext uri="{FF2B5EF4-FFF2-40B4-BE49-F238E27FC236}">
+                <a16:creationId xmlns:a16="http://schemas.microsoft.com/office/drawing/2014/main" id="{E4A809D5-3600-46D4-A466-67F2349A54FB}"/>
+              </a:ext>
+              <a:ext uri="{C183D7F6-B498-43B3-948B-1728B52AA6E4}">
+                <adec:decorative xmlns:adec="http://schemas.microsoft.com/office/drawing/2017/decorative" val="1"/>
+              </a:ext>
+            </a:extLst>
+          </p:cNvPr>
+          <p:cNvCxnSpPr>
+            <a:cxnSpLocks noGrp="1" noRot="1" noChangeAspect="1" noMove="1" noResize="1" noEditPoints="1" noAdjustHandles="1" noChangeArrowheads="1" noChangeShapeType="1"/>
+          </p:cNvCxnSpPr>
+          <p:nvPr>
+            <p:extLst>
+              <p:ext uri="{386F3935-93C4-4BCD-93E2-E3B085C9AB24}">
+                <p16:designElem xmlns:p16="http://schemas.microsoft.com/office/powerpoint/2015/main" val="1"/>
+              </p:ext>
+            </p:extLst>
+          </p:nvPr>
+        </p:nvCxnSpPr>
+        <p:spPr>
+          <a:xfrm>
+            <a:off x="655320" y="2316480"/>
+            <a:ext cx="4572000" cy="0"/>
+          </a:xfrm>
+          <a:prstGeom prst="straightConnector1">
+            <a:avLst/>
+          </a:prstGeom>
+          <a:ln w="19050" cap="sq">
+            <a:solidFill>
+              <a:schemeClr val="tx1"/>
+            </a:solidFill>
+            <a:tailEnd type="none"/>
+          </a:ln>
+        </p:spPr>
+        <p:style>
+          <a:lnRef idx="1">
+            <a:schemeClr val="accent1"/>
+          </a:lnRef>
+          <a:fillRef idx="0">
+            <a:schemeClr val="accent1"/>
+          </a:fillRef>
+          <a:effectRef idx="0">
+            <a:schemeClr val="accent1"/>
+          </a:effectRef>
+          <a:fontRef idx="minor">
+            <a:schemeClr val="tx1"/>
+          </a:fontRef>
+        </p:style>
+      </p:cxnSp>
+      <p:sp>
+        <p:nvSpPr>
+          <p:cNvPr id="3" name="Content Placeholder 2">
+            <a:extLst>
+              <a:ext uri="{FF2B5EF4-FFF2-40B4-BE49-F238E27FC236}">
+                <a16:creationId xmlns:a16="http://schemas.microsoft.com/office/drawing/2014/main" id="{CA7F5670-33A6-4671-9ACA-F1099D86437C}"/>
+              </a:ext>
+            </a:extLst>
+          </p:cNvPr>
+          <p:cNvSpPr>
+            <a:spLocks noGrp="1"/>
+          </p:cNvSpPr>
+          <p:nvPr>
+            <p:ph idx="1"/>
+          </p:nvPr>
+        </p:nvSpPr>
+        <p:spPr>
+          <a:xfrm>
+            <a:off x="655321" y="2575034"/>
+            <a:ext cx="5120113" cy="3462228"/>
+          </a:xfrm>
+        </p:spPr>
+        <p:txBody>
+          <a:bodyPr>
+            <a:normAutofit/>
+          </a:bodyPr>
+          <a:lstStyle/>
+          <a:p>
+            <a:r>
+              <a:rPr lang="en-US" sz="1800" dirty="0"/>
+              <a:t>Initially we had to decide what type of app we were going to build. </a:t>
+            </a:r>
+          </a:p>
+          <a:p>
+            <a:r>
+              <a:rPr lang="en-US" sz="1800" dirty="0"/>
+              <a:t>Once the app concept was finalized, we moved to create a wireframe of both the search and results pages. </a:t>
+            </a:r>
+          </a:p>
+          <a:p>
+            <a:r>
+              <a:rPr lang="en-US" sz="1800" dirty="0"/>
+              <a:t>We then decided on which parameters to use. In order to achieve our MVP, we wanted to minimize user input as much as possible.</a:t>
+            </a:r>
+          </a:p>
+          <a:p>
+            <a:r>
+              <a:rPr lang="en-US" sz="1800" dirty="0"/>
+              <a:t>We chose to let the user pick from predetermined options rather then enter custom data.</a:t>
+            </a:r>
+          </a:p>
+        </p:txBody>
+      </p:sp>
+      <p:pic>
+        <p:nvPicPr>
+          <p:cNvPr id="5" name="Picture 4" descr="A dining room table&#10;&#10;Description automatically generated">
+            <a:extLst>
+              <a:ext uri="{FF2B5EF4-FFF2-40B4-BE49-F238E27FC236}">
+                <a16:creationId xmlns:a16="http://schemas.microsoft.com/office/drawing/2014/main" id="{A749D937-97CE-49EA-9EB5-D9B11FF6DE84}"/>
+              </a:ext>
+            </a:extLst>
+          </p:cNvPr>
+          <p:cNvPicPr>
+            <a:picLocks noChangeAspect="1"/>
+          </p:cNvPicPr>
+          <p:nvPr/>
+        </p:nvPicPr>
+        <p:blipFill rotWithShape="1">
+          <a:blip r:embed="rId2">
+            <a:extLst>
+              <a:ext uri="{28A0092B-C50C-407E-A947-70E740481C1C}">
+                <a14:useLocalDpi xmlns:a14="http://schemas.microsoft.com/office/drawing/2010/main" val="0"/>
+              </a:ext>
+            </a:extLst>
+          </a:blip>
+          <a:srcRect l="12461" r="26323"/>
+          <a:stretch/>
+        </p:blipFill>
+        <p:spPr>
+          <a:xfrm>
+            <a:off x="5878849" y="10"/>
+            <a:ext cx="6313150" cy="6857987"/>
+          </a:xfrm>
+          <a:custGeom>
+            <a:avLst/>
+            <a:gdLst>
+              <a:gd name="connsiteX0" fmla="*/ 65565 w 6313150"/>
+              <a:gd name="connsiteY0" fmla="*/ 0 h 6857997"/>
+              <a:gd name="connsiteX1" fmla="*/ 6313150 w 6313150"/>
+              <a:gd name="connsiteY1" fmla="*/ 0 h 6857997"/>
+              <a:gd name="connsiteX2" fmla="*/ 6313150 w 6313150"/>
+              <a:gd name="connsiteY2" fmla="*/ 6857997 h 6857997"/>
+              <a:gd name="connsiteX3" fmla="*/ 3293946 w 6313150"/>
+              <a:gd name="connsiteY3" fmla="*/ 6857997 h 6857997"/>
+              <a:gd name="connsiteX4" fmla="*/ 3235857 w 6313150"/>
+              <a:gd name="connsiteY4" fmla="*/ 6823061 h 6857997"/>
+              <a:gd name="connsiteX5" fmla="*/ 0 w 6313150"/>
+              <a:gd name="connsiteY5" fmla="*/ 951803 h 6857997"/>
+              <a:gd name="connsiteX6" fmla="*/ 31536 w 6313150"/>
+              <a:gd name="connsiteY6" fmla="*/ 285771 h 6857997"/>
+            </a:gdLst>
+            <a:ahLst/>
+            <a:cxnLst>
+              <a:cxn ang="0">
+                <a:pos x="connsiteX0" y="connsiteY0"/>
+              </a:cxn>
+              <a:cxn ang="0">
+                <a:pos x="connsiteX1" y="connsiteY1"/>
+              </a:cxn>
+              <a:cxn ang="0">
+                <a:pos x="connsiteX2" y="connsiteY2"/>
+              </a:cxn>
+              <a:cxn ang="0">
+                <a:pos x="connsiteX3" y="connsiteY3"/>
+              </a:cxn>
+              <a:cxn ang="0">
+                <a:pos x="connsiteX4" y="connsiteY4"/>
+              </a:cxn>
+              <a:cxn ang="0">
+                <a:pos x="connsiteX5" y="connsiteY5"/>
+              </a:cxn>
+              <a:cxn ang="0">
+                <a:pos x="connsiteX6" y="connsiteY6"/>
+              </a:cxn>
+            </a:cxnLst>
+            <a:rect l="l" t="t" r="r" b="b"/>
+            <a:pathLst>
+              <a:path w="6313150" h="6857997">
+                <a:moveTo>
+                  <a:pt x="65565" y="0"/>
+                </a:moveTo>
+                <a:lnTo>
+                  <a:pt x="6313150" y="0"/>
+                </a:lnTo>
+                <a:lnTo>
+                  <a:pt x="6313150" y="6857997"/>
+                </a:lnTo>
+                <a:lnTo>
+                  <a:pt x="3293946" y="6857997"/>
+                </a:lnTo>
+                <a:lnTo>
+                  <a:pt x="3235857" y="6823061"/>
+                </a:lnTo>
+                <a:cubicBezTo>
+                  <a:pt x="1291240" y="5592803"/>
+                  <a:pt x="0" y="3423096"/>
+                  <a:pt x="0" y="951803"/>
+                </a:cubicBezTo>
+                <a:cubicBezTo>
+                  <a:pt x="0" y="727140"/>
+                  <a:pt x="10673" y="504970"/>
+                  <a:pt x="31536" y="285771"/>
+                </a:cubicBezTo>
+                <a:close/>
+              </a:path>
+            </a:pathLst>
+          </a:custGeom>
+        </p:spPr>
+      </p:pic>
+    </p:spTree>
+    <p:extLst>
+      <p:ext uri="{BB962C8B-B14F-4D97-AF65-F5344CB8AC3E}">
+        <p14:creationId xmlns:p14="http://schemas.microsoft.com/office/powerpoint/2010/main" val="3865061897"/>
+      </p:ext>
+    </p:extLst>
+  </p:cSld>
+  <p:clrMapOvr>
+    <a:masterClrMapping/>
+  </p:clrMapOvr>
+</p:sld>
+</file>
+
+<file path=ppt/slides/slide8.xml><?xml version="1.0" encoding="utf-8"?>
+<p:sld xmlns:a="http://schemas.openxmlformats.org/drawingml/2006/main" xmlns:r="http://schemas.openxmlformats.org/officeDocument/2006/relationships" xmlns:p="http://schemas.openxmlformats.org/presentationml/2006/main">
+  <p:cSld>
+    <p:bg>
+      <p:bgPr>
+        <a:solidFill>
+          <a:schemeClr val="bg1"/>
+        </a:solidFill>
+        <a:effectLst/>
+      </p:bgPr>
+    </p:bg>
+    <p:spTree>
+      <p:nvGrpSpPr>
+        <p:cNvPr id="1" name=""/>
+        <p:cNvGrpSpPr/>
+        <p:nvPr/>
+      </p:nvGrpSpPr>
+      <p:grpSpPr>
+        <a:xfrm>
+          <a:off x="0" y="0"/>
+          <a:ext cx="0" cy="0"/>
+          <a:chOff x="0" y="0"/>
+          <a:chExt cx="0" cy="0"/>
+        </a:xfrm>
+      </p:grpSpPr>
+      <p:sp>
+        <p:nvSpPr>
+          <p:cNvPr id="2" name="Title 1">
+            <a:extLst>
+              <a:ext uri="{FF2B5EF4-FFF2-40B4-BE49-F238E27FC236}">
+                <a16:creationId xmlns:a16="http://schemas.microsoft.com/office/drawing/2014/main" id="{E188E3DB-C8A3-4249-B637-7FFD92221962}"/>
+              </a:ext>
+            </a:extLst>
+          </p:cNvPr>
+          <p:cNvSpPr>
+            <a:spLocks noGrp="1"/>
+          </p:cNvSpPr>
+          <p:nvPr>
+            <p:ph type="title"/>
+          </p:nvPr>
+        </p:nvSpPr>
+        <p:spPr>
+          <a:xfrm>
+            <a:off x="655320" y="365125"/>
+            <a:ext cx="5120114" cy="1692794"/>
+          </a:xfrm>
+        </p:spPr>
+        <p:txBody>
+          <a:bodyPr>
+            <a:normAutofit/>
+          </a:bodyPr>
+          <a:lstStyle/>
+          <a:p>
+            <a:r>
+              <a:rPr lang="en-US" dirty="0"/>
+              <a:t>DESIGN PROCESS</a:t>
+            </a:r>
+          </a:p>
+        </p:txBody>
+      </p:sp>
+      <p:cxnSp>
+        <p:nvCxnSpPr>
+          <p:cNvPr id="10" name="Straight Arrow Connector 9">
+            <a:extLst>
+              <a:ext uri="{FF2B5EF4-FFF2-40B4-BE49-F238E27FC236}">
+                <a16:creationId xmlns:a16="http://schemas.microsoft.com/office/drawing/2014/main" id="{E4A809D5-3600-46D4-A466-67F2349A54FB}"/>
+              </a:ext>
+              <a:ext uri="{C183D7F6-B498-43B3-948B-1728B52AA6E4}">
+                <adec:decorative xmlns:adec="http://schemas.microsoft.com/office/drawing/2017/decorative" val="1"/>
+              </a:ext>
+            </a:extLst>
+          </p:cNvPr>
+          <p:cNvCxnSpPr>
+            <a:cxnSpLocks noGrp="1" noRot="1" noChangeAspect="1" noMove="1" noResize="1" noEditPoints="1" noAdjustHandles="1" noChangeArrowheads="1" noChangeShapeType="1"/>
+          </p:cNvCxnSpPr>
+          <p:nvPr>
+            <p:extLst>
+              <p:ext uri="{386F3935-93C4-4BCD-93E2-E3B085C9AB24}">
+                <p16:designElem xmlns:p16="http://schemas.microsoft.com/office/powerpoint/2015/main" val="1"/>
+              </p:ext>
+            </p:extLst>
+          </p:nvPr>
+        </p:nvCxnSpPr>
+        <p:spPr>
+          <a:xfrm>
+            <a:off x="655320" y="2316480"/>
+            <a:ext cx="4572000" cy="0"/>
+          </a:xfrm>
+          <a:prstGeom prst="straightConnector1">
+            <a:avLst/>
+          </a:prstGeom>
+          <a:ln w="19050" cap="sq">
+            <a:solidFill>
+              <a:schemeClr val="tx1"/>
+            </a:solidFill>
+            <a:tailEnd type="none"/>
+          </a:ln>
+        </p:spPr>
+        <p:style>
+          <a:lnRef idx="1">
+            <a:schemeClr val="accent1"/>
+          </a:lnRef>
+          <a:fillRef idx="0">
+            <a:schemeClr val="accent1"/>
+          </a:fillRef>
+          <a:effectRef idx="0">
+            <a:schemeClr val="accent1"/>
+          </a:effectRef>
+          <a:fontRef idx="minor">
+            <a:schemeClr val="tx1"/>
+          </a:fontRef>
+        </p:style>
+      </p:cxnSp>
+      <p:sp>
+        <p:nvSpPr>
+          <p:cNvPr id="3" name="Content Placeholder 2">
+            <a:extLst>
+              <a:ext uri="{FF2B5EF4-FFF2-40B4-BE49-F238E27FC236}">
+                <a16:creationId xmlns:a16="http://schemas.microsoft.com/office/drawing/2014/main" id="{CA7F5670-33A6-4671-9ACA-F1099D86437C}"/>
+              </a:ext>
+            </a:extLst>
+          </p:cNvPr>
+          <p:cNvSpPr>
+            <a:spLocks noGrp="1"/>
+          </p:cNvSpPr>
+          <p:nvPr>
+            <p:ph idx="1"/>
+          </p:nvPr>
+        </p:nvSpPr>
+        <p:spPr>
+          <a:xfrm>
+            <a:off x="655321" y="2575034"/>
+            <a:ext cx="5120113" cy="3462228"/>
+          </a:xfrm>
+        </p:spPr>
+        <p:txBody>
+          <a:bodyPr>
+            <a:normAutofit fontScale="92500" lnSpcReduction="10000"/>
+          </a:bodyPr>
+          <a:lstStyle/>
+          <a:p>
+            <a:r>
+              <a:rPr lang="en-US" sz="1800" dirty="0"/>
+              <a:t>We had to choose which API we were going to use. Yelp’s API does not allow retrieval of data using jQuery, therefore we had to use Zomato for our </a:t>
+            </a:r>
+            <a:r>
+              <a:rPr lang="en-US" sz="1800" dirty="0" err="1"/>
+              <a:t>jQuery.ajax</a:t>
+            </a:r>
+            <a:r>
+              <a:rPr lang="en-US" sz="1800" dirty="0"/>
+              <a:t> pulls.</a:t>
+            </a:r>
+          </a:p>
+          <a:p>
+            <a:r>
+              <a:rPr lang="en-US" sz="1800" dirty="0"/>
+              <a:t>We had to make sure the parameters we were using in our search form were responses in the Zomato API requests. </a:t>
+            </a:r>
+          </a:p>
+          <a:p>
+            <a:r>
+              <a:rPr lang="en-US" sz="1800" dirty="0"/>
+              <a:t>Since Zomato uses city ids instead of city names, it took multiple queries. First we had to find the location id and then pass it into the restaurant search id. Very Complicated!</a:t>
+            </a:r>
+          </a:p>
+          <a:p>
+            <a:r>
+              <a:rPr lang="en-US" sz="1800" dirty="0"/>
+              <a:t>We used </a:t>
+            </a:r>
+            <a:r>
+              <a:rPr lang="en-US" sz="1800" dirty="0" err="1"/>
+              <a:t>Giphy</a:t>
+            </a:r>
+            <a:r>
+              <a:rPr lang="en-US" sz="1800" dirty="0"/>
+              <a:t> to display funny gif’s on the results screen. We used the cuisine type user input from the search form for this request.</a:t>
+            </a:r>
+          </a:p>
+          <a:p>
+            <a:endParaRPr lang="en-US" sz="1800" dirty="0"/>
+          </a:p>
+        </p:txBody>
+      </p:sp>
+      <p:pic>
+        <p:nvPicPr>
+          <p:cNvPr id="5" name="Picture 4" descr="A dining room table&#10;&#10;Description automatically generated">
+            <a:extLst>
+              <a:ext uri="{FF2B5EF4-FFF2-40B4-BE49-F238E27FC236}">
+                <a16:creationId xmlns:a16="http://schemas.microsoft.com/office/drawing/2014/main" id="{A749D937-97CE-49EA-9EB5-D9B11FF6DE84}"/>
+              </a:ext>
+            </a:extLst>
+          </p:cNvPr>
+          <p:cNvPicPr>
+            <a:picLocks noChangeAspect="1"/>
+          </p:cNvPicPr>
+          <p:nvPr/>
+        </p:nvPicPr>
+        <p:blipFill rotWithShape="1">
+          <a:blip r:embed="rId2">
+            <a:extLst>
+              <a:ext uri="{28A0092B-C50C-407E-A947-70E740481C1C}">
+                <a14:useLocalDpi xmlns:a14="http://schemas.microsoft.com/office/drawing/2010/main" val="0"/>
+              </a:ext>
+            </a:extLst>
+          </a:blip>
+          <a:srcRect l="12461" r="26323"/>
+          <a:stretch/>
+        </p:blipFill>
+        <p:spPr>
+          <a:xfrm>
+            <a:off x="5878849" y="10"/>
+            <a:ext cx="6313150" cy="6857987"/>
+          </a:xfrm>
+          <a:custGeom>
+            <a:avLst/>
+            <a:gdLst>
+              <a:gd name="connsiteX0" fmla="*/ 65565 w 6313150"/>
+              <a:gd name="connsiteY0" fmla="*/ 0 h 6857997"/>
+              <a:gd name="connsiteX1" fmla="*/ 6313150 w 6313150"/>
+              <a:gd name="connsiteY1" fmla="*/ 0 h 6857997"/>
+              <a:gd name="connsiteX2" fmla="*/ 6313150 w 6313150"/>
+              <a:gd name="connsiteY2" fmla="*/ 6857997 h 6857997"/>
+              <a:gd name="connsiteX3" fmla="*/ 3293946 w 6313150"/>
+              <a:gd name="connsiteY3" fmla="*/ 6857997 h 6857997"/>
+              <a:gd name="connsiteX4" fmla="*/ 3235857 w 6313150"/>
+              <a:gd name="connsiteY4" fmla="*/ 6823061 h 6857997"/>
+              <a:gd name="connsiteX5" fmla="*/ 0 w 6313150"/>
+              <a:gd name="connsiteY5" fmla="*/ 951803 h 6857997"/>
+              <a:gd name="connsiteX6" fmla="*/ 31536 w 6313150"/>
+              <a:gd name="connsiteY6" fmla="*/ 285771 h 6857997"/>
+            </a:gdLst>
+            <a:ahLst/>
+            <a:cxnLst>
+              <a:cxn ang="0">
+                <a:pos x="connsiteX0" y="connsiteY0"/>
+              </a:cxn>
+              <a:cxn ang="0">
+                <a:pos x="connsiteX1" y="connsiteY1"/>
+              </a:cxn>
+              <a:cxn ang="0">
+                <a:pos x="connsiteX2" y="connsiteY2"/>
+              </a:cxn>
+              <a:cxn ang="0">
+                <a:pos x="connsiteX3" y="connsiteY3"/>
+              </a:cxn>
+              <a:cxn ang="0">
+                <a:pos x="connsiteX4" y="connsiteY4"/>
+              </a:cxn>
+              <a:cxn ang="0">
+                <a:pos x="connsiteX5" y="connsiteY5"/>
+              </a:cxn>
+              <a:cxn ang="0">
+                <a:pos x="connsiteX6" y="connsiteY6"/>
+              </a:cxn>
+            </a:cxnLst>
+            <a:rect l="l" t="t" r="r" b="b"/>
+            <a:pathLst>
+              <a:path w="6313150" h="6857997">
+                <a:moveTo>
+                  <a:pt x="65565" y="0"/>
+                </a:moveTo>
+                <a:lnTo>
+                  <a:pt x="6313150" y="0"/>
+                </a:lnTo>
+                <a:lnTo>
+                  <a:pt x="6313150" y="6857997"/>
+                </a:lnTo>
+                <a:lnTo>
+                  <a:pt x="3293946" y="6857997"/>
+                </a:lnTo>
+                <a:lnTo>
+                  <a:pt x="3235857" y="6823061"/>
+                </a:lnTo>
+                <a:cubicBezTo>
+                  <a:pt x="1291240" y="5592803"/>
+                  <a:pt x="0" y="3423096"/>
+                  <a:pt x="0" y="951803"/>
+                </a:cubicBezTo>
+                <a:cubicBezTo>
+                  <a:pt x="0" y="727140"/>
+                  <a:pt x="10673" y="504970"/>
+                  <a:pt x="31536" y="285771"/>
+                </a:cubicBezTo>
+                <a:close/>
+              </a:path>
+            </a:pathLst>
+          </a:custGeom>
+        </p:spPr>
+      </p:pic>
+    </p:spTree>
+    <p:extLst>
+      <p:ext uri="{BB962C8B-B14F-4D97-AF65-F5344CB8AC3E}">
+        <p14:creationId xmlns:p14="http://schemas.microsoft.com/office/powerpoint/2010/main" val="1045440471"/>
+      </p:ext>
+    </p:extLst>
+  </p:cSld>
+  <p:clrMapOvr>
+    <a:masterClrMapping/>
+  </p:clrMapOvr>
+</p:sld>
+</file>
+
+<file path=ppt/slides/slide9.xml><?xml version="1.0" encoding="utf-8"?>
+<p:sld xmlns:a="http://schemas.openxmlformats.org/drawingml/2006/main" xmlns:r="http://schemas.openxmlformats.org/officeDocument/2006/relationships" xmlns:p="http://schemas.openxmlformats.org/presentationml/2006/main">
+  <p:cSld>
+    <p:bg>
+      <p:bgPr>
+        <a:solidFill>
+          <a:schemeClr val="bg1"/>
+        </a:solidFill>
+        <a:effectLst/>
+      </p:bgPr>
+    </p:bg>
+    <p:spTree>
+      <p:nvGrpSpPr>
+        <p:cNvPr id="1" name=""/>
+        <p:cNvGrpSpPr/>
+        <p:nvPr/>
+      </p:nvGrpSpPr>
+      <p:grpSpPr>
+        <a:xfrm>
+          <a:off x="0" y="0"/>
+          <a:ext cx="0" cy="0"/>
+          <a:chOff x="0" y="0"/>
+          <a:chExt cx="0" cy="0"/>
+        </a:xfrm>
+      </p:grpSpPr>
+      <p:sp>
+        <p:nvSpPr>
+          <p:cNvPr id="2" name="Title 1">
+            <a:extLst>
+              <a:ext uri="{FF2B5EF4-FFF2-40B4-BE49-F238E27FC236}">
+                <a16:creationId xmlns:a16="http://schemas.microsoft.com/office/drawing/2014/main" id="{E188E3DB-C8A3-4249-B637-7FFD92221962}"/>
+              </a:ext>
+            </a:extLst>
+          </p:cNvPr>
+          <p:cNvSpPr>
+            <a:spLocks noGrp="1"/>
+          </p:cNvSpPr>
+          <p:nvPr>
+            <p:ph type="title"/>
+          </p:nvPr>
+        </p:nvSpPr>
+        <p:spPr>
+          <a:xfrm>
+            <a:off x="655320" y="365125"/>
+            <a:ext cx="5120114" cy="1692794"/>
+          </a:xfrm>
+        </p:spPr>
+        <p:txBody>
+          <a:bodyPr>
+            <a:normAutofit/>
+          </a:bodyPr>
+          <a:lstStyle/>
+          <a:p>
+            <a:r>
+              <a:rPr lang="en-US" dirty="0"/>
+              <a:t>TECHNOLOGIES USED</a:t>
+            </a:r>
+          </a:p>
+        </p:txBody>
+      </p:sp>
+      <p:cxnSp>
+        <p:nvCxnSpPr>
+          <p:cNvPr id="10" name="Straight Arrow Connector 9">
+            <a:extLst>
+              <a:ext uri="{FF2B5EF4-FFF2-40B4-BE49-F238E27FC236}">
+                <a16:creationId xmlns:a16="http://schemas.microsoft.com/office/drawing/2014/main" id="{E4A809D5-3600-46D4-A466-67F2349A54FB}"/>
+              </a:ext>
+              <a:ext uri="{C183D7F6-B498-43B3-948B-1728B52AA6E4}">
+                <adec:decorative xmlns:adec="http://schemas.microsoft.com/office/drawing/2017/decorative" val="1"/>
+              </a:ext>
+            </a:extLst>
+          </p:cNvPr>
+          <p:cNvCxnSpPr>
+            <a:cxnSpLocks noGrp="1" noRot="1" noChangeAspect="1" noMove="1" noResize="1" noEditPoints="1" noAdjustHandles="1" noChangeArrowheads="1" noChangeShapeType="1"/>
+          </p:cNvCxnSpPr>
+          <p:nvPr>
+            <p:extLst>
+              <p:ext uri="{386F3935-93C4-4BCD-93E2-E3B085C9AB24}">
+                <p16:designElem xmlns:p16="http://schemas.microsoft.com/office/powerpoint/2015/main" val="1"/>
+              </p:ext>
+            </p:extLst>
+          </p:nvPr>
+        </p:nvCxnSpPr>
+        <p:spPr>
+          <a:xfrm>
+            <a:off x="655320" y="2316480"/>
+            <a:ext cx="4572000" cy="0"/>
+          </a:xfrm>
+          <a:prstGeom prst="straightConnector1">
+            <a:avLst/>
+          </a:prstGeom>
+          <a:ln w="19050" cap="sq">
+            <a:solidFill>
+              <a:schemeClr val="tx1"/>
+            </a:solidFill>
+            <a:tailEnd type="none"/>
+          </a:ln>
+        </p:spPr>
+        <p:style>
+          <a:lnRef idx="1">
+            <a:schemeClr val="accent1"/>
+          </a:lnRef>
+          <a:fillRef idx="0">
+            <a:schemeClr val="accent1"/>
+          </a:fillRef>
+          <a:effectRef idx="0">
+            <a:schemeClr val="accent1"/>
+          </a:effectRef>
+          <a:fontRef idx="minor">
+            <a:schemeClr val="tx1"/>
+          </a:fontRef>
+        </p:style>
+      </p:cxnSp>
+      <p:pic>
+        <p:nvPicPr>
+          <p:cNvPr id="6" name="Content Placeholder 5" descr="A picture containing object&#10;&#10;Description automatically generated">
+            <a:extLst>
+              <a:ext uri="{FF2B5EF4-FFF2-40B4-BE49-F238E27FC236}">
+                <a16:creationId xmlns:a16="http://schemas.microsoft.com/office/drawing/2014/main" id="{1CCA6045-0803-4B24-AC96-8F10A1555AD1}"/>
+              </a:ext>
+            </a:extLst>
+          </p:cNvPr>
+          <p:cNvPicPr>
+            <a:picLocks noGrp="1" noChangeAspect="1"/>
+          </p:cNvPicPr>
+          <p:nvPr>
+            <p:ph idx="1"/>
+          </p:nvPr>
+        </p:nvPicPr>
+        <p:blipFill>
+          <a:blip r:embed="rId2">
+            <a:extLst>
+              <a:ext uri="{28A0092B-C50C-407E-A947-70E740481C1C}">
+                <a14:useLocalDpi xmlns:a14="http://schemas.microsoft.com/office/drawing/2010/main" val="0"/>
+              </a:ext>
+            </a:extLst>
+          </a:blip>
+          <a:stretch>
+            <a:fillRect/>
+          </a:stretch>
+        </p:blipFill>
+        <p:spPr>
+          <a:xfrm>
+            <a:off x="655320" y="2575042"/>
+            <a:ext cx="2143125" cy="2143125"/>
+          </a:xfrm>
+        </p:spPr>
+      </p:pic>
+      <p:pic>
+        <p:nvPicPr>
+          <p:cNvPr id="5" name="Picture 4" descr="A dining room table&#10;&#10;Description automatically generated">
+            <a:extLst>
+              <a:ext uri="{FF2B5EF4-FFF2-40B4-BE49-F238E27FC236}">
+                <a16:creationId xmlns:a16="http://schemas.microsoft.com/office/drawing/2014/main" id="{A749D937-97CE-49EA-9EB5-D9B11FF6DE84}"/>
+              </a:ext>
+            </a:extLst>
+          </p:cNvPr>
+          <p:cNvPicPr>
+            <a:picLocks noChangeAspect="1"/>
+          </p:cNvPicPr>
+          <p:nvPr/>
+        </p:nvPicPr>
+        <p:blipFill rotWithShape="1">
+          <a:blip r:embed="rId3">
+            <a:extLst>
+              <a:ext uri="{28A0092B-C50C-407E-A947-70E740481C1C}">
+                <a14:useLocalDpi xmlns:a14="http://schemas.microsoft.com/office/drawing/2010/main" val="0"/>
+              </a:ext>
+            </a:extLst>
+          </a:blip>
+          <a:srcRect l="12461" r="26323"/>
+          <a:stretch/>
+        </p:blipFill>
+        <p:spPr>
+          <a:xfrm>
+            <a:off x="5878849" y="10"/>
+            <a:ext cx="6313150" cy="6857987"/>
+          </a:xfrm>
+          <a:custGeom>
+            <a:avLst/>
+            <a:gdLst>
+              <a:gd name="connsiteX0" fmla="*/ 65565 w 6313150"/>
+              <a:gd name="connsiteY0" fmla="*/ 0 h 6857997"/>
+              <a:gd name="connsiteX1" fmla="*/ 6313150 w 6313150"/>
+              <a:gd name="connsiteY1" fmla="*/ 0 h 6857997"/>
+              <a:gd name="connsiteX2" fmla="*/ 6313150 w 6313150"/>
+              <a:gd name="connsiteY2" fmla="*/ 6857997 h 6857997"/>
+              <a:gd name="connsiteX3" fmla="*/ 3293946 w 6313150"/>
+              <a:gd name="connsiteY3" fmla="*/ 6857997 h 6857997"/>
+              <a:gd name="connsiteX4" fmla="*/ 3235857 w 6313150"/>
+              <a:gd name="connsiteY4" fmla="*/ 6823061 h 6857997"/>
+              <a:gd name="connsiteX5" fmla="*/ 0 w 6313150"/>
+              <a:gd name="connsiteY5" fmla="*/ 951803 h 6857997"/>
+              <a:gd name="connsiteX6" fmla="*/ 31536 w 6313150"/>
+              <a:gd name="connsiteY6" fmla="*/ 285771 h 6857997"/>
+            </a:gdLst>
+            <a:ahLst/>
+            <a:cxnLst>
+              <a:cxn ang="0">
+                <a:pos x="connsiteX0" y="connsiteY0"/>
+              </a:cxn>
+              <a:cxn ang="0">
+                <a:pos x="connsiteX1" y="connsiteY1"/>
+              </a:cxn>
+              <a:cxn ang="0">
+                <a:pos x="connsiteX2" y="connsiteY2"/>
+              </a:cxn>
+              <a:cxn ang="0">
+                <a:pos x="connsiteX3" y="connsiteY3"/>
+              </a:cxn>
+              <a:cxn ang="0">
+                <a:pos x="connsiteX4" y="connsiteY4"/>
+              </a:cxn>
+              <a:cxn ang="0">
+                <a:pos x="connsiteX5" y="connsiteY5"/>
+              </a:cxn>
+              <a:cxn ang="0">
+                <a:pos x="connsiteX6" y="connsiteY6"/>
+              </a:cxn>
+            </a:cxnLst>
+            <a:rect l="l" t="t" r="r" b="b"/>
+            <a:pathLst>
+              <a:path w="6313150" h="6857997">
+                <a:moveTo>
+                  <a:pt x="65565" y="0"/>
+                </a:moveTo>
+                <a:lnTo>
+                  <a:pt x="6313150" y="0"/>
+                </a:lnTo>
+                <a:lnTo>
+                  <a:pt x="6313150" y="6857997"/>
+                </a:lnTo>
+                <a:lnTo>
+                  <a:pt x="3293946" y="6857997"/>
+                </a:lnTo>
+                <a:lnTo>
+                  <a:pt x="3235857" y="6823061"/>
+                </a:lnTo>
+                <a:cubicBezTo>
+                  <a:pt x="1291240" y="5592803"/>
+                  <a:pt x="0" y="3423096"/>
+                  <a:pt x="0" y="951803"/>
+                </a:cubicBezTo>
+                <a:cubicBezTo>
+                  <a:pt x="0" y="727140"/>
+                  <a:pt x="10673" y="504970"/>
+                  <a:pt x="31536" y="285771"/>
+                </a:cubicBezTo>
+                <a:close/>
+              </a:path>
+            </a:pathLst>
+          </a:custGeom>
+        </p:spPr>
+      </p:pic>
+      <p:pic>
+        <p:nvPicPr>
+          <p:cNvPr id="8" name="Picture 7" descr="A picture containing clipart&#10;&#10;Description automatically generated">
+            <a:extLst>
+              <a:ext uri="{FF2B5EF4-FFF2-40B4-BE49-F238E27FC236}">
+                <a16:creationId xmlns:a16="http://schemas.microsoft.com/office/drawing/2014/main" id="{D65FC578-68D8-4B3C-91D4-5152A1C54616}"/>
+              </a:ext>
+            </a:extLst>
+          </p:cNvPr>
+          <p:cNvPicPr>
+            <a:picLocks noChangeAspect="1"/>
+          </p:cNvPicPr>
+          <p:nvPr/>
+        </p:nvPicPr>
+        <p:blipFill>
+          <a:blip r:embed="rId4">
+            <a:extLst>
+              <a:ext uri="{28A0092B-C50C-407E-A947-70E740481C1C}">
+                <a14:useLocalDpi xmlns:a14="http://schemas.microsoft.com/office/drawing/2010/main" val="0"/>
+              </a:ext>
+            </a:extLst>
+          </a:blip>
+          <a:stretch>
+            <a:fillRect/>
+          </a:stretch>
+        </p:blipFill>
+        <p:spPr>
+          <a:xfrm>
+            <a:off x="3267084" y="4281487"/>
+            <a:ext cx="2143125" cy="2143125"/>
+          </a:xfrm>
+          <a:prstGeom prst="rect">
+            <a:avLst/>
+          </a:prstGeom>
+        </p:spPr>
+      </p:pic>
+    </p:spTree>
+    <p:extLst>
+      <p:ext uri="{BB962C8B-B14F-4D97-AF65-F5344CB8AC3E}">
+        <p14:creationId xmlns:p14="http://schemas.microsoft.com/office/powerpoint/2010/main" val="2065550240"/>
       </p:ext>
     </p:extLst>
   </p:cSld>

--- a/assets/documents/THE FOODIES.pptx
+++ b/assets/documents/THE FOODIES.pptx
@@ -268,7 +268,7 @@
           <a:p>
             <a:fld id="{164C669C-7769-48C0-A8F3-37E49424B138}" type="datetimeFigureOut">
               <a:rPr lang="en-US" smtClean="0"/>
-              <a:t>5/29/2019</a:t>
+              <a:t>5/30/19</a:t>
             </a:fld>
             <a:endParaRPr lang="en-US"/>
           </a:p>
@@ -466,7 +466,7 @@
           <a:p>
             <a:fld id="{164C669C-7769-48C0-A8F3-37E49424B138}" type="datetimeFigureOut">
               <a:rPr lang="en-US" smtClean="0"/>
-              <a:t>5/29/2019</a:t>
+              <a:t>5/30/19</a:t>
             </a:fld>
             <a:endParaRPr lang="en-US"/>
           </a:p>
@@ -674,7 +674,7 @@
           <a:p>
             <a:fld id="{164C669C-7769-48C0-A8F3-37E49424B138}" type="datetimeFigureOut">
               <a:rPr lang="en-US" smtClean="0"/>
-              <a:t>5/29/2019</a:t>
+              <a:t>5/30/19</a:t>
             </a:fld>
             <a:endParaRPr lang="en-US"/>
           </a:p>
@@ -872,7 +872,7 @@
           <a:p>
             <a:fld id="{164C669C-7769-48C0-A8F3-37E49424B138}" type="datetimeFigureOut">
               <a:rPr lang="en-US" smtClean="0"/>
-              <a:t>5/29/2019</a:t>
+              <a:t>5/30/19</a:t>
             </a:fld>
             <a:endParaRPr lang="en-US"/>
           </a:p>
@@ -1147,7 +1147,7 @@
           <a:p>
             <a:fld id="{164C669C-7769-48C0-A8F3-37E49424B138}" type="datetimeFigureOut">
               <a:rPr lang="en-US" smtClean="0"/>
-              <a:t>5/29/2019</a:t>
+              <a:t>5/30/19</a:t>
             </a:fld>
             <a:endParaRPr lang="en-US"/>
           </a:p>
@@ -1412,7 +1412,7 @@
           <a:p>
             <a:fld id="{164C669C-7769-48C0-A8F3-37E49424B138}" type="datetimeFigureOut">
               <a:rPr lang="en-US" smtClean="0"/>
-              <a:t>5/29/2019</a:t>
+              <a:t>5/30/19</a:t>
             </a:fld>
             <a:endParaRPr lang="en-US"/>
           </a:p>
@@ -1824,7 +1824,7 @@
           <a:p>
             <a:fld id="{164C669C-7769-48C0-A8F3-37E49424B138}" type="datetimeFigureOut">
               <a:rPr lang="en-US" smtClean="0"/>
-              <a:t>5/29/2019</a:t>
+              <a:t>5/30/19</a:t>
             </a:fld>
             <a:endParaRPr lang="en-US"/>
           </a:p>
@@ -1965,7 +1965,7 @@
           <a:p>
             <a:fld id="{164C669C-7769-48C0-A8F3-37E49424B138}" type="datetimeFigureOut">
               <a:rPr lang="en-US" smtClean="0"/>
-              <a:t>5/29/2019</a:t>
+              <a:t>5/30/19</a:t>
             </a:fld>
             <a:endParaRPr lang="en-US"/>
           </a:p>
@@ -2078,7 +2078,7 @@
           <a:p>
             <a:fld id="{164C669C-7769-48C0-A8F3-37E49424B138}" type="datetimeFigureOut">
               <a:rPr lang="en-US" smtClean="0"/>
-              <a:t>5/29/2019</a:t>
+              <a:t>5/30/19</a:t>
             </a:fld>
             <a:endParaRPr lang="en-US"/>
           </a:p>
@@ -2389,7 +2389,7 @@
           <a:p>
             <a:fld id="{164C669C-7769-48C0-A8F3-37E49424B138}" type="datetimeFigureOut">
               <a:rPr lang="en-US" smtClean="0"/>
-              <a:t>5/29/2019</a:t>
+              <a:t>5/30/19</a:t>
             </a:fld>
             <a:endParaRPr lang="en-US"/>
           </a:p>
@@ -2677,7 +2677,7 @@
           <a:p>
             <a:fld id="{164C669C-7769-48C0-A8F3-37E49424B138}" type="datetimeFigureOut">
               <a:rPr lang="en-US" smtClean="0"/>
-              <a:t>5/29/2019</a:t>
+              <a:t>5/30/19</a:t>
             </a:fld>
             <a:endParaRPr lang="en-US"/>
           </a:p>
@@ -2918,7 +2918,7 @@
           <a:p>
             <a:fld id="{164C669C-7769-48C0-A8F3-37E49424B138}" type="datetimeFigureOut">
               <a:rPr lang="en-US" smtClean="0"/>
-              <a:t>5/29/2019</a:t>
+              <a:t>5/30/19</a:t>
             </a:fld>
             <a:endParaRPr lang="en-US"/>
           </a:p>
@@ -3847,15 +3847,15 @@
           <a:p>
             <a:r>
               <a:rPr lang="en-US" sz="1800" dirty="0"/>
-              <a:t>We would like to display an image of the most popular dish from each restaurant in the </a:t>
-            </a:r>
-            <a:r>
-              <a:rPr lang="en-US" sz="1800" dirty="0" err="1"/>
-              <a:t>seach</a:t>
+              <a:t>We would like to display an image of the most popular dish from each restaurant in </a:t>
+            </a:r>
+            <a:r>
+              <a:rPr lang="en-US" sz="1800"/>
+              <a:t>the search </a:t>
             </a:r>
             <a:r>
               <a:rPr lang="en-US" sz="1800" dirty="0"/>
-              <a:t> result.</a:t>
+              <a:t>result.</a:t>
             </a:r>
           </a:p>
           <a:p>
